--- a/QEM, LoopSubdivision 구현 임건우.pptx
+++ b/QEM, LoopSubdivision 구현 임건우.pptx
@@ -140,16 +140,56 @@
 </p:presentation>
 </file>
 
-<file path=ppt/revisionInfo.xml><?xml version="1.0" encoding="utf-8"?>
-<p1510:revInfo xmlns:a="http://schemas.openxmlformats.org/drawingml/2006/main" xmlns:r="http://schemas.openxmlformats.org/officeDocument/2006/relationships" xmlns:p1510="http://schemas.microsoft.com/office/powerpoint/2015/10/main">
-  <p1510:revLst>
-    <p1510:client id="{3E4FE962-F6E7-427B-B7CB-08957D47CFC7}" v="287" dt="2020-06-12T12:23:12.241"/>
-  </p1510:revLst>
-</p1510:revInfo>
-</file>
-
 <file path=ppt/changesInfos/changesInfo1.xml><?xml version="1.0" encoding="utf-8"?>
 <pc:chgInfo xmlns:a="http://schemas.openxmlformats.org/drawingml/2006/main" xmlns:r="http://schemas.openxmlformats.org/officeDocument/2006/relationships" xmlns:ac="http://schemas.microsoft.com/office/drawing/2013/main/command" xmlns:pc="http://schemas.microsoft.com/office/powerpoint/2013/main/command">
+  <pc:docChgLst>
+    <pc:chgData name="임 건우" userId="92582ce0d2146f9c" providerId="LiveId" clId="{87083266-90CC-6141-ABFA-CDFE4C97C445}"/>
+    <pc:docChg chg="modSld">
+      <pc:chgData name="임 건우" userId="92582ce0d2146f9c" providerId="LiveId" clId="{87083266-90CC-6141-ABFA-CDFE4C97C445}" dt="2022-06-09T10:33:36.583" v="2" actId="1076"/>
+      <pc:docMkLst>
+        <pc:docMk/>
+      </pc:docMkLst>
+      <pc:sldChg chg="modSp">
+        <pc:chgData name="임 건우" userId="92582ce0d2146f9c" providerId="LiveId" clId="{87083266-90CC-6141-ABFA-CDFE4C97C445}" dt="2022-06-09T10:33:36.583" v="2" actId="1076"/>
+        <pc:sldMkLst>
+          <pc:docMk/>
+          <pc:sldMk cId="1577448381" sldId="306"/>
+        </pc:sldMkLst>
+        <pc:picChg chg="mod">
+          <ac:chgData name="임 건우" userId="92582ce0d2146f9c" providerId="LiveId" clId="{87083266-90CC-6141-ABFA-CDFE4C97C445}" dt="2022-06-09T10:33:36.583" v="2" actId="1076"/>
+          <ac:picMkLst>
+            <pc:docMk/>
+            <pc:sldMk cId="1577448381" sldId="306"/>
+            <ac:picMk id="11" creationId="{EF4CB38A-A227-408C-9CBD-28A218B469F8}"/>
+          </ac:picMkLst>
+        </pc:picChg>
+      </pc:sldChg>
+    </pc:docChg>
+  </pc:docChgLst>
+  <pc:docChgLst>
+    <pc:chgData name="임 건우" userId="92582ce0d2146f9c" providerId="LiveId" clId="{CBF02809-45C0-4412-B970-C30E144074A3}"/>
+    <pc:docChg chg="custSel modSld">
+      <pc:chgData name="임 건우" userId="92582ce0d2146f9c" providerId="LiveId" clId="{CBF02809-45C0-4412-B970-C30E144074A3}" dt="2022-02-14T18:04:26.646" v="4" actId="478"/>
+      <pc:docMkLst>
+        <pc:docMk/>
+      </pc:docMkLst>
+      <pc:sldChg chg="delSp modSp mod">
+        <pc:chgData name="임 건우" userId="92582ce0d2146f9c" providerId="LiveId" clId="{CBF02809-45C0-4412-B970-C30E144074A3}" dt="2022-02-14T18:04:26.646" v="4" actId="478"/>
+        <pc:sldMkLst>
+          <pc:docMk/>
+          <pc:sldMk cId="2811215283" sldId="276"/>
+        </pc:sldMkLst>
+        <pc:spChg chg="del mod">
+          <ac:chgData name="임 건우" userId="92582ce0d2146f9c" providerId="LiveId" clId="{CBF02809-45C0-4412-B970-C30E144074A3}" dt="2022-02-14T18:04:26.646" v="4" actId="478"/>
+          <ac:spMkLst>
+            <pc:docMk/>
+            <pc:sldMk cId="2811215283" sldId="276"/>
+            <ac:spMk id="19" creationId="{00000000-0000-0000-0000-000000000000}"/>
+          </ac:spMkLst>
+        </pc:spChg>
+      </pc:sldChg>
+    </pc:docChg>
+  </pc:docChgLst>
   <pc:docChgLst>
     <pc:chgData name="임 건우" userId="92582ce0d2146f9c" providerId="LiveId" clId="{3E4FE962-F6E7-427B-B7CB-08957D47CFC7}"/>
     <pc:docChg chg="undo custSel addSld delSld modSld modMainMaster">
@@ -1230,7 +1270,7 @@
           <a:p>
             <a:fld id="{E3EE9E3A-2FD9-40A5-9282-A523AB430AF0}" type="datetimeFigureOut">
               <a:rPr lang="ko-KR" altLang="en-US" smtClean="0"/>
-              <a:t>2021-12-29</a:t>
+              <a:t>2022. 6. 9.</a:t>
             </a:fld>
             <a:endParaRPr lang="ko-KR" altLang="en-US"/>
           </a:p>
@@ -1428,7 +1468,7 @@
           <a:p>
             <a:fld id="{E3EE9E3A-2FD9-40A5-9282-A523AB430AF0}" type="datetimeFigureOut">
               <a:rPr lang="ko-KR" altLang="en-US" smtClean="0"/>
-              <a:t>2021-12-29</a:t>
+              <a:t>2022. 6. 9.</a:t>
             </a:fld>
             <a:endParaRPr lang="ko-KR" altLang="en-US"/>
           </a:p>
@@ -1636,7 +1676,7 @@
           <a:p>
             <a:fld id="{E3EE9E3A-2FD9-40A5-9282-A523AB430AF0}" type="datetimeFigureOut">
               <a:rPr lang="ko-KR" altLang="en-US" smtClean="0"/>
-              <a:t>2021-12-29</a:t>
+              <a:t>2022. 6. 9.</a:t>
             </a:fld>
             <a:endParaRPr lang="ko-KR" altLang="en-US"/>
           </a:p>
@@ -2179,7 +2219,7 @@
           <a:p>
             <a:fld id="{E3EE9E3A-2FD9-40A5-9282-A523AB430AF0}" type="datetimeFigureOut">
               <a:rPr lang="ko-KR" altLang="en-US" smtClean="0"/>
-              <a:t>2021-12-29</a:t>
+              <a:t>2022. 6. 9.</a:t>
             </a:fld>
             <a:endParaRPr lang="ko-KR" altLang="en-US"/>
           </a:p>
@@ -2454,7 +2494,7 @@
           <a:p>
             <a:fld id="{E3EE9E3A-2FD9-40A5-9282-A523AB430AF0}" type="datetimeFigureOut">
               <a:rPr lang="ko-KR" altLang="en-US" smtClean="0"/>
-              <a:t>2021-12-29</a:t>
+              <a:t>2022. 6. 9.</a:t>
             </a:fld>
             <a:endParaRPr lang="ko-KR" altLang="en-US"/>
           </a:p>
@@ -2719,7 +2759,7 @@
           <a:p>
             <a:fld id="{E3EE9E3A-2FD9-40A5-9282-A523AB430AF0}" type="datetimeFigureOut">
               <a:rPr lang="ko-KR" altLang="en-US" smtClean="0"/>
-              <a:t>2021-12-29</a:t>
+              <a:t>2022. 6. 9.</a:t>
             </a:fld>
             <a:endParaRPr lang="ko-KR" altLang="en-US"/>
           </a:p>
@@ -3131,7 +3171,7 @@
           <a:p>
             <a:fld id="{E3EE9E3A-2FD9-40A5-9282-A523AB430AF0}" type="datetimeFigureOut">
               <a:rPr lang="ko-KR" altLang="en-US" smtClean="0"/>
-              <a:t>2021-12-29</a:t>
+              <a:t>2022. 6. 9.</a:t>
             </a:fld>
             <a:endParaRPr lang="ko-KR" altLang="en-US"/>
           </a:p>
@@ -3272,7 +3312,7 @@
           <a:p>
             <a:fld id="{E3EE9E3A-2FD9-40A5-9282-A523AB430AF0}" type="datetimeFigureOut">
               <a:rPr lang="ko-KR" altLang="en-US" smtClean="0"/>
-              <a:t>2021-12-29</a:t>
+              <a:t>2022. 6. 9.</a:t>
             </a:fld>
             <a:endParaRPr lang="ko-KR" altLang="en-US"/>
           </a:p>
@@ -3385,7 +3425,7 @@
           <a:p>
             <a:fld id="{E3EE9E3A-2FD9-40A5-9282-A523AB430AF0}" type="datetimeFigureOut">
               <a:rPr lang="ko-KR" altLang="en-US" smtClean="0"/>
-              <a:t>2021-12-29</a:t>
+              <a:t>2022. 6. 9.</a:t>
             </a:fld>
             <a:endParaRPr lang="ko-KR" altLang="en-US"/>
           </a:p>
@@ -3696,7 +3736,7 @@
           <a:p>
             <a:fld id="{E3EE9E3A-2FD9-40A5-9282-A523AB430AF0}" type="datetimeFigureOut">
               <a:rPr lang="ko-KR" altLang="en-US" smtClean="0"/>
-              <a:t>2021-12-29</a:t>
+              <a:t>2022. 6. 9.</a:t>
             </a:fld>
             <a:endParaRPr lang="ko-KR" altLang="en-US"/>
           </a:p>
@@ -3984,7 +4024,7 @@
           <a:p>
             <a:fld id="{E3EE9E3A-2FD9-40A5-9282-A523AB430AF0}" type="datetimeFigureOut">
               <a:rPr lang="ko-KR" altLang="en-US" smtClean="0"/>
-              <a:t>2021-12-29</a:t>
+              <a:t>2022. 6. 9.</a:t>
             </a:fld>
             <a:endParaRPr lang="ko-KR" altLang="en-US"/>
           </a:p>
@@ -4225,7 +4265,7 @@
           <a:p>
             <a:fld id="{E3EE9E3A-2FD9-40A5-9282-A523AB430AF0}" type="datetimeFigureOut">
               <a:rPr lang="ko-KR" altLang="en-US" smtClean="0"/>
-              <a:t>2021-12-29</a:t>
+              <a:t>2022. 6. 9.</a:t>
             </a:fld>
             <a:endParaRPr lang="ko-KR" altLang="en-US"/>
           </a:p>
@@ -8533,19 +8573,7 @@
                         </a:solidFill>
                         <a:latin typeface="Cambria Math" panose="02040503050406030204" pitchFamily="18" charset="0"/>
                       </a:rPr>
-                      <m:t>,</m:t>
-                    </m:r>
-                    <m:r>
-                      <a:rPr lang="en-US" altLang="ko-KR" sz="1400" b="0" i="1" smtClean="0">
-                        <a:solidFill>
-                          <a:schemeClr val="tx1">
-                            <a:lumMod val="75000"/>
-                            <a:lumOff val="25000"/>
-                          </a:schemeClr>
-                        </a:solidFill>
-                        <a:latin typeface="Cambria Math" panose="02040503050406030204" pitchFamily="18" charset="0"/>
-                      </a:rPr>
-                      <m:t>1</m:t>
+                      <m:t>,1</m:t>
                     </m:r>
                     <m:sSup>
                       <m:sSupPr>
@@ -13751,7 +13779,7 @@
         </p:blipFill>
         <p:spPr>
           <a:xfrm>
-            <a:off x="0" y="1371600"/>
+            <a:off x="60960" y="1418112"/>
             <a:ext cx="12192000" cy="2542238"/>
           </a:xfrm>
           <a:prstGeom prst="rect">
@@ -18099,66 +18127,6 @@
               <a:latin typeface="경기천년제목 Light" panose="02020403020101020101" pitchFamily="18" charset="-127"/>
               <a:ea typeface="경기천년제목 Light" panose="02020403020101020101" pitchFamily="18" charset="-127"/>
             </a:endParaRPr>
-          </a:p>
-        </p:txBody>
-      </p:sp>
-      <p:sp>
-        <p:nvSpPr>
-          <p:cNvPr id="19" name="TextBox 18"/>
-          <p:cNvSpPr txBox="1"/>
-          <p:nvPr/>
-        </p:nvSpPr>
-        <p:spPr>
-          <a:xfrm>
-            <a:off x="1480598" y="5634700"/>
-            <a:ext cx="2265364" cy="461665"/>
-          </a:xfrm>
-          <a:prstGeom prst="rect">
-            <a:avLst/>
-          </a:prstGeom>
-          <a:noFill/>
-        </p:spPr>
-        <p:txBody>
-          <a:bodyPr wrap="none" rtlCol="0">
-            <a:spAutoFit/>
-          </a:bodyPr>
-          <a:lstStyle/>
-          <a:p>
-            <a:r>
-              <a:rPr lang="ko-KR" altLang="en-US" sz="1200" dirty="0">
-                <a:solidFill>
-                  <a:schemeClr val="bg1">
-                    <a:lumMod val="50000"/>
-                  </a:schemeClr>
-                </a:solidFill>
-                <a:latin typeface="경기천년제목 Light" panose="02020403020101020101" pitchFamily="18" charset="-127"/>
-                <a:ea typeface="경기천년제목 Light" panose="02020403020101020101" pitchFamily="18" charset="-127"/>
-              </a:rPr>
-              <a:t>실습시간에 구현했던 프로그램 기반</a:t>
-            </a:r>
-            <a:endParaRPr lang="en-US" altLang="ko-KR" sz="1200" dirty="0">
-              <a:solidFill>
-                <a:schemeClr val="bg1">
-                  <a:lumMod val="50000"/>
-                </a:schemeClr>
-              </a:solidFill>
-              <a:latin typeface="경기천년제목 Light" panose="02020403020101020101" pitchFamily="18" charset="-127"/>
-              <a:ea typeface="경기천년제목 Light" panose="02020403020101020101" pitchFamily="18" charset="-127"/>
-            </a:endParaRPr>
-          </a:p>
-          <a:p>
-            <a:r>
-              <a:rPr lang="ko-KR" altLang="en-US" sz="1200" dirty="0">
-                <a:solidFill>
-                  <a:schemeClr val="bg1">
-                    <a:lumMod val="50000"/>
-                  </a:schemeClr>
-                </a:solidFill>
-                <a:latin typeface="경기천년제목 Light" panose="02020403020101020101" pitchFamily="18" charset="-127"/>
-                <a:ea typeface="경기천년제목 Light" panose="02020403020101020101" pitchFamily="18" charset="-127"/>
-              </a:rPr>
-              <a:t>몇가지 기능 추가</a:t>
-            </a:r>
           </a:p>
         </p:txBody>
       </p:sp>

--- a/QEM, LoopSubdivision 구현 임건우.pptx
+++ b/QEM, LoopSubdivision 구현 임건우.pptx
@@ -144,13 +144,13 @@
 <pc:chgInfo xmlns:a="http://schemas.openxmlformats.org/drawingml/2006/main" xmlns:r="http://schemas.openxmlformats.org/officeDocument/2006/relationships" xmlns:ac="http://schemas.microsoft.com/office/drawing/2013/main/command" xmlns:pc="http://schemas.microsoft.com/office/powerpoint/2013/main/command">
   <pc:docChgLst>
     <pc:chgData name="임 건우" userId="92582ce0d2146f9c" providerId="LiveId" clId="{87083266-90CC-6141-ABFA-CDFE4C97C445}"/>
-    <pc:docChg chg="modSld">
-      <pc:chgData name="임 건우" userId="92582ce0d2146f9c" providerId="LiveId" clId="{87083266-90CC-6141-ABFA-CDFE4C97C445}" dt="2022-06-09T10:33:36.583" v="2" actId="1076"/>
+    <pc:docChg chg="custSel modSld">
+      <pc:chgData name="임 건우" userId="92582ce0d2146f9c" providerId="LiveId" clId="{87083266-90CC-6141-ABFA-CDFE4C97C445}" dt="2022-06-10T03:28:17.847" v="26"/>
       <pc:docMkLst>
         <pc:docMk/>
       </pc:docMkLst>
-      <pc:sldChg chg="modSp">
-        <pc:chgData name="임 건우" userId="92582ce0d2146f9c" providerId="LiveId" clId="{87083266-90CC-6141-ABFA-CDFE4C97C445}" dt="2022-06-09T10:33:36.583" v="2" actId="1076"/>
+      <pc:sldChg chg="addSp delSp modSp">
+        <pc:chgData name="임 건우" userId="92582ce0d2146f9c" providerId="LiveId" clId="{87083266-90CC-6141-ABFA-CDFE4C97C445}" dt="2022-06-10T03:28:17.847" v="26"/>
         <pc:sldMkLst>
           <pc:docMk/>
           <pc:sldMk cId="1577448381" sldId="306"/>
@@ -163,6 +163,174 @@
             <ac:picMk id="11" creationId="{EF4CB38A-A227-408C-9CBD-28A218B469F8}"/>
           </ac:picMkLst>
         </pc:picChg>
+        <pc:inkChg chg="add del">
+          <ac:chgData name="임 건우" userId="92582ce0d2146f9c" providerId="LiveId" clId="{87083266-90CC-6141-ABFA-CDFE4C97C445}" dt="2022-06-10T03:27:55.948" v="5"/>
+          <ac:inkMkLst>
+            <pc:docMk/>
+            <pc:sldMk cId="1577448381" sldId="306"/>
+            <ac:inkMk id="4" creationId="{49DA6FD2-FE71-E621-7619-8799B1E6DC3F}"/>
+          </ac:inkMkLst>
+        </pc:inkChg>
+        <pc:inkChg chg="add del">
+          <ac:chgData name="임 건우" userId="92582ce0d2146f9c" providerId="LiveId" clId="{87083266-90CC-6141-ABFA-CDFE4C97C445}" dt="2022-06-10T03:27:55.948" v="5"/>
+          <ac:inkMkLst>
+            <pc:docMk/>
+            <pc:sldMk cId="1577448381" sldId="306"/>
+            <ac:inkMk id="6" creationId="{0F47E7ED-EFF9-FE62-C3EC-469B35A7D496}"/>
+          </ac:inkMkLst>
+        </pc:inkChg>
+        <pc:inkChg chg="add del reco">
+          <ac:chgData name="임 건우" userId="92582ce0d2146f9c" providerId="LiveId" clId="{87083266-90CC-6141-ABFA-CDFE4C97C445}" dt="2022-06-10T03:28:17.834" v="22"/>
+          <ac:inkMkLst>
+            <pc:docMk/>
+            <pc:sldMk cId="1577448381" sldId="306"/>
+            <ac:inkMk id="8" creationId="{FF475A43-D1B0-B653-B20C-729EFB74A3F9}"/>
+          </ac:inkMkLst>
+        </pc:inkChg>
+        <pc:inkChg chg="add del">
+          <ac:chgData name="임 건우" userId="92582ce0d2146f9c" providerId="LiveId" clId="{87083266-90CC-6141-ABFA-CDFE4C97C445}" dt="2022-06-10T03:28:03.425" v="20"/>
+          <ac:inkMkLst>
+            <pc:docMk/>
+            <pc:sldMk cId="1577448381" sldId="306"/>
+            <ac:inkMk id="12" creationId="{A90843CB-09C9-DCBB-1E38-F23A190646C7}"/>
+          </ac:inkMkLst>
+        </pc:inkChg>
+        <pc:inkChg chg="add del">
+          <ac:chgData name="임 건우" userId="92582ce0d2146f9c" providerId="LiveId" clId="{87083266-90CC-6141-ABFA-CDFE4C97C445}" dt="2022-06-10T03:28:03.425" v="20"/>
+          <ac:inkMkLst>
+            <pc:docMk/>
+            <pc:sldMk cId="1577448381" sldId="306"/>
+            <ac:inkMk id="13" creationId="{A5546AC5-BDBC-EABC-87F4-32BDC559A2BF}"/>
+          </ac:inkMkLst>
+        </pc:inkChg>
+        <pc:inkChg chg="add del">
+          <ac:chgData name="임 건우" userId="92582ce0d2146f9c" providerId="LiveId" clId="{87083266-90CC-6141-ABFA-CDFE4C97C445}" dt="2022-06-10T03:28:03.425" v="20"/>
+          <ac:inkMkLst>
+            <pc:docMk/>
+            <pc:sldMk cId="1577448381" sldId="306"/>
+            <ac:inkMk id="14" creationId="{EE3AA408-B1C3-F491-F42D-31502E796567}"/>
+          </ac:inkMkLst>
+        </pc:inkChg>
+        <pc:inkChg chg="add del">
+          <ac:chgData name="임 건우" userId="92582ce0d2146f9c" providerId="LiveId" clId="{87083266-90CC-6141-ABFA-CDFE4C97C445}" dt="2022-06-10T03:28:03.425" v="20"/>
+          <ac:inkMkLst>
+            <pc:docMk/>
+            <pc:sldMk cId="1577448381" sldId="306"/>
+            <ac:inkMk id="15" creationId="{A192A71B-8A13-BC67-7D7D-C3E7CFF47921}"/>
+          </ac:inkMkLst>
+        </pc:inkChg>
+        <pc:inkChg chg="add del">
+          <ac:chgData name="임 건우" userId="92582ce0d2146f9c" providerId="LiveId" clId="{87083266-90CC-6141-ABFA-CDFE4C97C445}" dt="2022-06-10T03:28:03.425" v="20"/>
+          <ac:inkMkLst>
+            <pc:docMk/>
+            <pc:sldMk cId="1577448381" sldId="306"/>
+            <ac:inkMk id="16" creationId="{DD0599F5-70D4-7AB6-B347-7F804B7CE227}"/>
+          </ac:inkMkLst>
+        </pc:inkChg>
+        <pc:inkChg chg="add del">
+          <ac:chgData name="임 건우" userId="92582ce0d2146f9c" providerId="LiveId" clId="{87083266-90CC-6141-ABFA-CDFE4C97C445}" dt="2022-06-10T03:28:03.425" v="20"/>
+          <ac:inkMkLst>
+            <pc:docMk/>
+            <pc:sldMk cId="1577448381" sldId="306"/>
+            <ac:inkMk id="17" creationId="{099CBA31-F5F8-CE11-1203-A4B579A82080}"/>
+          </ac:inkMkLst>
+        </pc:inkChg>
+        <pc:inkChg chg="add del">
+          <ac:chgData name="임 건우" userId="92582ce0d2146f9c" providerId="LiveId" clId="{87083266-90CC-6141-ABFA-CDFE4C97C445}" dt="2022-06-10T03:28:03.425" v="20"/>
+          <ac:inkMkLst>
+            <pc:docMk/>
+            <pc:sldMk cId="1577448381" sldId="306"/>
+            <ac:inkMk id="18" creationId="{64926790-FD1F-F3E3-4E7D-75B4367E810A}"/>
+          </ac:inkMkLst>
+        </pc:inkChg>
+        <pc:inkChg chg="add del">
+          <ac:chgData name="임 건우" userId="92582ce0d2146f9c" providerId="LiveId" clId="{87083266-90CC-6141-ABFA-CDFE4C97C445}" dt="2022-06-10T03:28:03.425" v="20"/>
+          <ac:inkMkLst>
+            <pc:docMk/>
+            <pc:sldMk cId="1577448381" sldId="306"/>
+            <ac:inkMk id="19" creationId="{80EB83FF-14E7-E15B-6F4A-D95D693C91BD}"/>
+          </ac:inkMkLst>
+        </pc:inkChg>
+        <pc:inkChg chg="add del">
+          <ac:chgData name="임 건우" userId="92582ce0d2146f9c" providerId="LiveId" clId="{87083266-90CC-6141-ABFA-CDFE4C97C445}" dt="2022-06-10T03:28:03.425" v="20"/>
+          <ac:inkMkLst>
+            <pc:docMk/>
+            <pc:sldMk cId="1577448381" sldId="306"/>
+            <ac:inkMk id="20" creationId="{6A70AAFD-7EFC-8B26-B751-59F9BEDD75AA}"/>
+          </ac:inkMkLst>
+        </pc:inkChg>
+        <pc:inkChg chg="add del">
+          <ac:chgData name="임 건우" userId="92582ce0d2146f9c" providerId="LiveId" clId="{87083266-90CC-6141-ABFA-CDFE4C97C445}" dt="2022-06-10T03:28:03.425" v="20"/>
+          <ac:inkMkLst>
+            <pc:docMk/>
+            <pc:sldMk cId="1577448381" sldId="306"/>
+            <ac:inkMk id="21" creationId="{12E522C4-66F9-E08A-D3CB-DCE72FAA2D46}"/>
+          </ac:inkMkLst>
+        </pc:inkChg>
+        <pc:inkChg chg="add del">
+          <ac:chgData name="임 건우" userId="92582ce0d2146f9c" providerId="LiveId" clId="{87083266-90CC-6141-ABFA-CDFE4C97C445}" dt="2022-06-10T03:28:03.425" v="20"/>
+          <ac:inkMkLst>
+            <pc:docMk/>
+            <pc:sldMk cId="1577448381" sldId="306"/>
+            <ac:inkMk id="22" creationId="{F3C70FA2-AB54-981C-007B-57116D1FA92F}"/>
+          </ac:inkMkLst>
+        </pc:inkChg>
+        <pc:inkChg chg="add del">
+          <ac:chgData name="임 건우" userId="92582ce0d2146f9c" providerId="LiveId" clId="{87083266-90CC-6141-ABFA-CDFE4C97C445}" dt="2022-06-10T03:28:03.425" v="20"/>
+          <ac:inkMkLst>
+            <pc:docMk/>
+            <pc:sldMk cId="1577448381" sldId="306"/>
+            <ac:inkMk id="23" creationId="{8C7BB0B6-094C-DB67-3CAB-20785491FA5D}"/>
+          </ac:inkMkLst>
+        </pc:inkChg>
+        <pc:inkChg chg="add del">
+          <ac:chgData name="임 건우" userId="92582ce0d2146f9c" providerId="LiveId" clId="{87083266-90CC-6141-ABFA-CDFE4C97C445}" dt="2022-06-10T03:28:03.425" v="20"/>
+          <ac:inkMkLst>
+            <pc:docMk/>
+            <pc:sldMk cId="1577448381" sldId="306"/>
+            <ac:inkMk id="24" creationId="{D7754835-15BB-6FFA-D81F-E8D1E96291D7}"/>
+          </ac:inkMkLst>
+        </pc:inkChg>
+        <pc:inkChg chg="add del">
+          <ac:chgData name="임 건우" userId="92582ce0d2146f9c" providerId="LiveId" clId="{87083266-90CC-6141-ABFA-CDFE4C97C445}" dt="2022-06-10T03:28:03.425" v="20"/>
+          <ac:inkMkLst>
+            <pc:docMk/>
+            <pc:sldMk cId="1577448381" sldId="306"/>
+            <ac:inkMk id="25" creationId="{0AD49413-5ACD-E4F2-ECED-BE766509F5A3}"/>
+          </ac:inkMkLst>
+        </pc:inkChg>
+        <pc:inkChg chg="add del reco">
+          <ac:chgData name="임 건우" userId="92582ce0d2146f9c" providerId="LiveId" clId="{87083266-90CC-6141-ABFA-CDFE4C97C445}" dt="2022-06-10T03:28:17.845" v="25"/>
+          <ac:inkMkLst>
+            <pc:docMk/>
+            <pc:sldMk cId="1577448381" sldId="306"/>
+            <ac:inkMk id="26" creationId="{E9A0D6FC-2626-148D-12C9-A9251C4E5F55}"/>
+          </ac:inkMkLst>
+        </pc:inkChg>
+        <pc:inkChg chg="add del reco">
+          <ac:chgData name="임 건우" userId="92582ce0d2146f9c" providerId="LiveId" clId="{87083266-90CC-6141-ABFA-CDFE4C97C445}" dt="2022-06-10T03:28:17.847" v="26"/>
+          <ac:inkMkLst>
+            <pc:docMk/>
+            <pc:sldMk cId="1577448381" sldId="306"/>
+            <ac:inkMk id="27" creationId="{4253DEAC-D65A-1349-B9BD-2498C860ACE8}"/>
+          </ac:inkMkLst>
+        </pc:inkChg>
+        <pc:inkChg chg="add del reco">
+          <ac:chgData name="임 건우" userId="92582ce0d2146f9c" providerId="LiveId" clId="{87083266-90CC-6141-ABFA-CDFE4C97C445}" dt="2022-06-10T03:28:17.839" v="23"/>
+          <ac:inkMkLst>
+            <pc:docMk/>
+            <pc:sldMk cId="1577448381" sldId="306"/>
+            <ac:inkMk id="28" creationId="{996CB3AB-718D-FDF2-B33D-CF96E94E828E}"/>
+          </ac:inkMkLst>
+        </pc:inkChg>
+        <pc:inkChg chg="add del">
+          <ac:chgData name="임 건우" userId="92582ce0d2146f9c" providerId="LiveId" clId="{87083266-90CC-6141-ABFA-CDFE4C97C445}" dt="2022-06-10T03:28:17.842" v="24"/>
+          <ac:inkMkLst>
+            <pc:docMk/>
+            <pc:sldMk cId="1577448381" sldId="306"/>
+            <ac:inkMk id="29" creationId="{E4B39C74-F43F-961E-0B33-08EA363DE37A}"/>
+          </ac:inkMkLst>
+        </pc:inkChg>
       </pc:sldChg>
     </pc:docChg>
   </pc:docChgLst>
